--- a/module1-text-data/presentation/Strange Brew Austin Coffee.pptx
+++ b/module1-text-data/presentation/Strange Brew Austin Coffee.pptx
@@ -109,6 +109,11 @@
       </a:defRPr>
     </a:lvl9pPr>
   </p:defaultTextStyle>
+  <p:extLst>
+    <p:ext uri="{EFAFB233-063F-42B5-8137-9DF3F51BA10A}">
+      <p15:sldGuideLst xmlns:p15="http://schemas.microsoft.com/office/powerpoint/2012/main"/>
+    </p:ext>
+  </p:extLst>
 </p:presentation>
 </file>
 
@@ -271,7 +276,7 @@
           <a:p>
             <a:fld id="{88D38747-4367-4BD2-8D51-C97E202738E2}" type="datetime1">
               <a:rPr lang="en-US" smtClean="0"/>
-              <a:t>9/30/2019</a:t>
+              <a:t>10/1/2019</a:t>
             </a:fld>
             <a:endParaRPr lang="en-US" dirty="0"/>
           </a:p>
@@ -470,7 +475,7 @@
           <a:p>
             <a:fld id="{073ED0CC-082F-4160-86E5-0D6041F12778}" type="datetime1">
               <a:rPr lang="en-US" smtClean="0"/>
-              <a:t>9/30/2019</a:t>
+              <a:t>10/1/2019</a:t>
             </a:fld>
             <a:endParaRPr lang="en-US" dirty="0"/>
           </a:p>
@@ -679,7 +684,7 @@
           <a:p>
             <a:fld id="{073ED0CC-082F-4160-86E5-0D6041F12778}" type="datetime1">
               <a:rPr lang="en-US" smtClean="0"/>
-              <a:t>9/30/2019</a:t>
+              <a:t>10/1/2019</a:t>
             </a:fld>
             <a:endParaRPr lang="en-US" dirty="0"/>
           </a:p>
@@ -878,7 +883,7 @@
           <a:p>
             <a:fld id="{073ED0CC-082F-4160-86E5-0D6041F12778}" type="datetime1">
               <a:rPr lang="en-US" smtClean="0"/>
-              <a:t>9/30/2019</a:t>
+              <a:t>10/1/2019</a:t>
             </a:fld>
             <a:endParaRPr lang="en-US" dirty="0"/>
           </a:p>
@@ -1154,7 +1159,7 @@
           <a:p>
             <a:fld id="{073ED0CC-082F-4160-86E5-0D6041F12778}" type="datetime1">
               <a:rPr lang="en-US" smtClean="0"/>
-              <a:t>9/30/2019</a:t>
+              <a:t>10/1/2019</a:t>
             </a:fld>
             <a:endParaRPr lang="en-US" dirty="0"/>
           </a:p>
@@ -1420,7 +1425,7 @@
           <a:p>
             <a:fld id="{073ED0CC-082F-4160-86E5-0D6041F12778}" type="datetime1">
               <a:rPr lang="en-US" smtClean="0"/>
-              <a:t>9/30/2019</a:t>
+              <a:t>10/1/2019</a:t>
             </a:fld>
             <a:endParaRPr lang="en-US" dirty="0"/>
           </a:p>
@@ -1833,7 +1838,7 @@
           <a:p>
             <a:fld id="{073ED0CC-082F-4160-86E5-0D6041F12778}" type="datetime1">
               <a:rPr lang="en-US" smtClean="0"/>
-              <a:t>9/30/2019</a:t>
+              <a:t>10/1/2019</a:t>
             </a:fld>
             <a:endParaRPr lang="en-US" dirty="0"/>
           </a:p>
@@ -1975,7 +1980,7 @@
           <a:p>
             <a:fld id="{073ED0CC-082F-4160-86E5-0D6041F12778}" type="datetime1">
               <a:rPr lang="en-US" smtClean="0"/>
-              <a:t>9/30/2019</a:t>
+              <a:t>10/1/2019</a:t>
             </a:fld>
             <a:endParaRPr lang="en-US" dirty="0"/>
           </a:p>
@@ -2089,7 +2094,7 @@
           <a:p>
             <a:fld id="{073ED0CC-082F-4160-86E5-0D6041F12778}" type="datetime1">
               <a:rPr lang="en-US" smtClean="0"/>
-              <a:t>9/30/2019</a:t>
+              <a:t>10/1/2019</a:t>
             </a:fld>
             <a:endParaRPr lang="en-US" dirty="0"/>
           </a:p>
@@ -2401,7 +2406,7 @@
           <a:p>
             <a:fld id="{073ED0CC-082F-4160-86E5-0D6041F12778}" type="datetime1">
               <a:rPr lang="en-US" smtClean="0"/>
-              <a:t>9/30/2019</a:t>
+              <a:t>10/1/2019</a:t>
             </a:fld>
             <a:endParaRPr lang="en-US" dirty="0"/>
           </a:p>
@@ -2690,7 +2695,7 @@
           <a:p>
             <a:fld id="{073ED0CC-082F-4160-86E5-0D6041F12778}" type="datetime1">
               <a:rPr lang="en-US" smtClean="0"/>
-              <a:t>9/30/2019</a:t>
+              <a:t>10/1/2019</a:t>
             </a:fld>
             <a:endParaRPr lang="en-US" dirty="0"/>
           </a:p>
@@ -2932,7 +2937,7 @@
           <a:p>
             <a:fld id="{073ED0CC-082F-4160-86E5-0D6041F12778}" type="datetime1">
               <a:rPr lang="en-US" smtClean="0"/>
-              <a:t>9/30/2019</a:t>
+              <a:t>10/1/2019</a:t>
             </a:fld>
             <a:endParaRPr lang="en-US" dirty="0"/>
           </a:p>
@@ -3339,10 +3344,7 @@
     <p:bg>
       <p:bgPr>
         <a:solidFill>
-          <a:schemeClr val="bg1">
-            <a:tint val="95000"/>
-            <a:satMod val="170000"/>
-          </a:schemeClr>
+          <a:schemeClr val="bg1"/>
         </a:solidFill>
         <a:effectLst/>
       </p:bgPr>
@@ -3363,6 +3365,100 @@
       </p:grpSpPr>
       <p:sp>
         <p:nvSpPr>
+          <p:cNvPr id="33" name="Rectangle 25">
+            <a:extLst>
+              <a:ext uri="{FF2B5EF4-FFF2-40B4-BE49-F238E27FC236}">
+                <a16:creationId xmlns:a16="http://schemas.microsoft.com/office/drawing/2014/main" id="{823AC064-BC96-4F32-8AE1-B2FD38754823}"/>
+              </a:ext>
+              <a:ext uri="{C183D7F6-B498-43B3-948B-1728B52AA6E4}">
+                <adec:decorative xmlns:adec="http://schemas.microsoft.com/office/drawing/2017/decorative" val="1"/>
+              </a:ext>
+            </a:extLst>
+          </p:cNvPr>
+          <p:cNvSpPr>
+            <a:spLocks noGrp="1" noRot="1" noChangeAspect="1" noMove="1" noResize="1" noEditPoints="1" noAdjustHandles="1" noChangeArrowheads="1" noChangeShapeType="1" noTextEdit="1"/>
+          </p:cNvSpPr>
+          <p:nvPr>
+            <p:extLst>
+              <p:ext uri="{386F3935-93C4-4BCD-93E2-E3B085C9AB24}">
+                <p16:designElem xmlns:p16="http://schemas.microsoft.com/office/powerpoint/2015/main" val="1"/>
+              </p:ext>
+            </p:extLst>
+          </p:nvPr>
+        </p:nvSpPr>
+        <p:spPr bwMode="ltGray">
+          <a:xfrm>
+            <a:off x="378068" y="4633546"/>
+            <a:ext cx="11438793" cy="1844256"/>
+          </a:xfrm>
+          <a:prstGeom prst="rect">
+            <a:avLst/>
+          </a:prstGeom>
+          <a:solidFill>
+            <a:srgbClr val="404040"/>
+          </a:solidFill>
+          <a:ln w="127000" cap="sq" cmpd="thinThick">
+            <a:solidFill>
+              <a:srgbClr val="404040"/>
+            </a:solidFill>
+          </a:ln>
+        </p:spPr>
+        <p:style>
+          <a:lnRef idx="2">
+            <a:schemeClr val="accent1">
+              <a:shade val="50000"/>
+            </a:schemeClr>
+          </a:lnRef>
+          <a:fillRef idx="1">
+            <a:schemeClr val="accent1"/>
+          </a:fillRef>
+          <a:effectRef idx="0">
+            <a:schemeClr val="accent1"/>
+          </a:effectRef>
+          <a:fontRef idx="minor">
+            <a:schemeClr val="lt1"/>
+          </a:fontRef>
+        </p:style>
+        <p:txBody>
+          <a:bodyPr rtlCol="0" anchor="ctr"/>
+          <a:lstStyle/>
+          <a:p>
+            <a:pPr marL="0" marR="0" lvl="0" indent="0" algn="ctr" defTabSz="914400" rtl="0" eaLnBrk="1" fontAlgn="auto" latinLnBrk="0" hangingPunct="1">
+              <a:lnSpc>
+                <a:spcPct val="100000"/>
+              </a:lnSpc>
+              <a:spcBef>
+                <a:spcPts val="0"/>
+              </a:spcBef>
+              <a:spcAft>
+                <a:spcPts val="0"/>
+              </a:spcAft>
+              <a:buClrTx/>
+              <a:buSzTx/>
+              <a:buFontTx/>
+              <a:buNone/>
+              <a:tabLst/>
+              <a:defRPr/>
+            </a:pPr>
+            <a:endParaRPr kumimoji="0" lang="en-US" sz="1800" b="0" i="0" u="none" strike="noStrike" kern="1200" cap="none" spc="0" normalizeH="0" baseline="0" noProof="0">
+              <a:ln>
+                <a:noFill/>
+              </a:ln>
+              <a:solidFill>
+                <a:prstClr val="white"/>
+              </a:solidFill>
+              <a:effectLst/>
+              <a:uLnTx/>
+              <a:uFillTx/>
+              <a:latin typeface="Calibri" panose="020F0502020204030204"/>
+              <a:ea typeface="+mn-ea"/>
+              <a:cs typeface="+mn-cs"/>
+            </a:endParaRPr>
+          </a:p>
+        </p:txBody>
+      </p:sp>
+      <p:sp>
+        <p:nvSpPr>
           <p:cNvPr id="2" name="Title 1">
             <a:extLst>
               <a:ext uri="{FF2B5EF4-FFF2-40B4-BE49-F238E27FC236}">
@@ -3379,19 +3475,22 @@
         </p:nvSpPr>
         <p:spPr>
           <a:xfrm>
-            <a:off x="6746628" y="1783959"/>
-            <a:ext cx="4645250" cy="2889114"/>
+            <a:off x="526073" y="4756638"/>
+            <a:ext cx="11139854" cy="930447"/>
           </a:xfrm>
         </p:spPr>
         <p:txBody>
-          <a:bodyPr anchor="b">
+          <a:bodyPr>
             <a:normAutofit/>
           </a:bodyPr>
           <a:lstStyle/>
           <a:p>
-            <a:pPr algn="l"/>
-            <a:r>
-              <a:rPr lang="en-US" dirty="0"/>
+            <a:r>
+              <a:rPr lang="en-US" sz="5400">
+                <a:solidFill>
+                  <a:srgbClr val="FFFFFF"/>
+                </a:solidFill>
+              </a:rPr>
               <a:t>Strange Brew Austin Coffee</a:t>
             </a:r>
           </a:p>
@@ -3415,19 +3514,22 @@
         </p:nvSpPr>
         <p:spPr>
           <a:xfrm>
-            <a:off x="6746627" y="4750893"/>
-            <a:ext cx="4645250" cy="1147863"/>
+            <a:off x="1524000" y="5815698"/>
+            <a:ext cx="9144000" cy="420001"/>
           </a:xfrm>
         </p:spPr>
         <p:txBody>
-          <a:bodyPr anchor="t">
+          <a:bodyPr>
             <a:normAutofit/>
           </a:bodyPr>
           <a:lstStyle/>
           <a:p>
-            <a:pPr algn="l"/>
-            <a:r>
-              <a:rPr lang="en-US" sz="2000" dirty="0"/>
+            <a:r>
+              <a:rPr lang="en-US" sz="2000">
+                <a:solidFill>
+                  <a:srgbClr val="FDA00A"/>
+                </a:solidFill>
+              </a:rPr>
               <a:t>Analysis of customer reviews on Yelp.com.</a:t>
             </a:r>
           </a:p>
@@ -3435,7 +3537,7 @@
       </p:sp>
       <p:pic>
         <p:nvPicPr>
-          <p:cNvPr id="21" name="Picture 3" descr="A cup of coffee on a table&#10;&#10;Description automatically generated">
+          <p:cNvPr id="21" name="Picture 3">
             <a:extLst>
               <a:ext uri="{FF2B5EF4-FFF2-40B4-BE49-F238E27FC236}">
                 <a16:creationId xmlns:a16="http://schemas.microsoft.com/office/drawing/2014/main" id="{E47CBE2D-6EEB-4BC0-BD13-CD20D7B2D7E2}"/>
@@ -3447,92 +3549,72 @@
           </p:cNvPicPr>
           <p:nvPr/>
         </p:nvPicPr>
-        <p:blipFill rotWithShape="1">
+        <p:blipFill>
           <a:blip r:embed="rId2"/>
-          <a:srcRect b="2380"/>
           <a:stretch/>
         </p:blipFill>
         <p:spPr>
           <a:xfrm>
-            <a:off x="20" y="10"/>
-            <a:ext cx="6024134" cy="6857990"/>
+            <a:off x="1968309" y="307731"/>
+            <a:ext cx="8200282" cy="3997637"/>
           </a:xfrm>
-          <a:custGeom>
+          <a:prstGeom prst="rect">
             <a:avLst/>
-            <a:gdLst>
-              <a:gd name="connsiteX0" fmla="*/ 0 w 6024154"/>
-              <a:gd name="connsiteY0" fmla="*/ 0 h 6858000"/>
-              <a:gd name="connsiteX1" fmla="*/ 5953780 w 6024154"/>
-              <a:gd name="connsiteY1" fmla="*/ 0 h 6858000"/>
-              <a:gd name="connsiteX2" fmla="*/ 5989880 w 6024154"/>
-              <a:gd name="connsiteY2" fmla="*/ 284091 h 6858000"/>
-              <a:gd name="connsiteX3" fmla="*/ 6024154 w 6024154"/>
-              <a:gd name="connsiteY3" fmla="*/ 962844 h 6858000"/>
-              <a:gd name="connsiteX4" fmla="*/ 2549934 w 6024154"/>
-              <a:gd name="connsiteY4" fmla="*/ 6800152 h 6858000"/>
-              <a:gd name="connsiteX5" fmla="*/ 2436987 w 6024154"/>
-              <a:gd name="connsiteY5" fmla="*/ 6858000 h 6858000"/>
-              <a:gd name="connsiteX6" fmla="*/ 0 w 6024154"/>
-              <a:gd name="connsiteY6" fmla="*/ 6858000 h 6858000"/>
-            </a:gdLst>
-            <a:ahLst/>
-            <a:cxnLst>
-              <a:cxn ang="0">
-                <a:pos x="connsiteX0" y="connsiteY0"/>
-              </a:cxn>
-              <a:cxn ang="0">
-                <a:pos x="connsiteX1" y="connsiteY1"/>
-              </a:cxn>
-              <a:cxn ang="0">
-                <a:pos x="connsiteX2" y="connsiteY2"/>
-              </a:cxn>
-              <a:cxn ang="0">
-                <a:pos x="connsiteX3" y="connsiteY3"/>
-              </a:cxn>
-              <a:cxn ang="0">
-                <a:pos x="connsiteX4" y="connsiteY4"/>
-              </a:cxn>
-              <a:cxn ang="0">
-                <a:pos x="connsiteX5" y="connsiteY5"/>
-              </a:cxn>
-              <a:cxn ang="0">
-                <a:pos x="connsiteX6" y="connsiteY6"/>
-              </a:cxn>
-            </a:cxnLst>
-            <a:rect l="l" t="t" r="r" b="b"/>
-            <a:pathLst>
-              <a:path w="6024154" h="6858000">
-                <a:moveTo>
-                  <a:pt x="0" y="0"/>
-                </a:moveTo>
-                <a:lnTo>
-                  <a:pt x="5953780" y="0"/>
-                </a:lnTo>
-                <a:lnTo>
-                  <a:pt x="5989880" y="284091"/>
-                </a:lnTo>
-                <a:cubicBezTo>
-                  <a:pt x="6012544" y="507260"/>
-                  <a:pt x="6024154" y="733696"/>
-                  <a:pt x="6024154" y="962844"/>
-                </a:cubicBezTo>
-                <a:cubicBezTo>
-                  <a:pt x="6024154" y="3483472"/>
-                  <a:pt x="4619336" y="5675986"/>
-                  <a:pt x="2549934" y="6800152"/>
-                </a:cubicBezTo>
-                <a:lnTo>
-                  <a:pt x="2436987" y="6858000"/>
-                </a:lnTo>
-                <a:lnTo>
-                  <a:pt x="0" y="6858000"/>
-                </a:lnTo>
-                <a:close/>
-              </a:path>
-            </a:pathLst>
-          </a:custGeom>
+          </a:prstGeom>
         </p:spPr>
       </p:pic>
+      <p:cxnSp>
+        <p:nvCxnSpPr>
+          <p:cNvPr id="28" name="Straight Connector 27">
+            <a:extLst>
+              <a:ext uri="{FF2B5EF4-FFF2-40B4-BE49-F238E27FC236}">
+                <a16:creationId xmlns:a16="http://schemas.microsoft.com/office/drawing/2014/main" id="{7E7C77BC-7138-40B1-A15B-20F57A494629}"/>
+              </a:ext>
+              <a:ext uri="{C183D7F6-B498-43B3-948B-1728B52AA6E4}">
+                <adec:decorative xmlns:adec="http://schemas.microsoft.com/office/drawing/2017/decorative" val="1"/>
+              </a:ext>
+            </a:extLst>
+          </p:cNvPr>
+          <p:cNvCxnSpPr>
+            <a:cxnSpLocks noGrp="1" noRot="1" noChangeAspect="1" noMove="1" noResize="1" noEditPoints="1" noAdjustHandles="1" noChangeArrowheads="1" noChangeShapeType="1"/>
+          </p:cNvCxnSpPr>
+          <p:nvPr>
+            <p:extLst>
+              <p:ext uri="{386F3935-93C4-4BCD-93E2-E3B085C9AB24}">
+                <p16:designElem xmlns:p16="http://schemas.microsoft.com/office/powerpoint/2015/main" val="1"/>
+              </p:ext>
+            </p:extLst>
+          </p:nvPr>
+        </p:nvCxnSpPr>
+        <p:spPr>
+          <a:xfrm>
+            <a:off x="2209800" y="5738691"/>
+            <a:ext cx="7772400" cy="0"/>
+          </a:xfrm>
+          <a:prstGeom prst="line">
+            <a:avLst/>
+          </a:prstGeom>
+          <a:ln w="22225">
+            <a:solidFill>
+              <a:srgbClr val="D9D9D9"/>
+            </a:solidFill>
+          </a:ln>
+        </p:spPr>
+        <p:style>
+          <a:lnRef idx="1">
+            <a:schemeClr val="accent1"/>
+          </a:lnRef>
+          <a:fillRef idx="0">
+            <a:schemeClr val="accent1"/>
+          </a:fillRef>
+          <a:effectRef idx="0">
+            <a:schemeClr val="accent1"/>
+          </a:effectRef>
+          <a:fontRef idx="minor">
+            <a:schemeClr val="tx1"/>
+          </a:fontRef>
+        </p:style>
+      </p:cxnSp>
     </p:spTree>
     <p:extLst>
       <p:ext uri="{BB962C8B-B14F-4D97-AF65-F5344CB8AC3E}">
@@ -3541,7 +3623,7 @@
     </p:extLst>
   </p:cSld>
   <p:clrMapOvr>
-    <a:overrideClrMapping bg1="dk1" tx1="lt1" bg2="dk2" tx2="lt2" accent1="accent1" accent2="accent2" accent3="accent3" accent4="accent4" accent5="accent5" accent6="accent6" hlink="hlink" folHlink="folHlink"/>
+    <a:masterClrMapping/>
   </p:clrMapOvr>
 </p:sld>
 </file>
@@ -5268,8 +5350,8 @@
         </p:nvSpPr>
         <p:spPr>
           <a:xfrm>
-            <a:off x="762001" y="803325"/>
-            <a:ext cx="5314536" cy="1325563"/>
+            <a:off x="6653600" y="1396289"/>
+            <a:ext cx="5006336" cy="1325563"/>
           </a:xfrm>
         </p:spPr>
         <p:txBody>
@@ -5279,7 +5361,14 @@
           <a:lstStyle/>
           <a:p>
             <a:r>
-              <a:rPr lang="en-US" dirty="0"/>
+              <a:rPr lang="en-US" kern="1200">
+                <a:solidFill>
+                  <a:schemeClr val="tx1"/>
+                </a:solidFill>
+                <a:latin typeface="+mj-lt"/>
+                <a:ea typeface="+mj-ea"/>
+                <a:cs typeface="+mj-cs"/>
+              </a:rPr>
               <a:t>Recommendations</a:t>
             </a:r>
           </a:p>
@@ -5287,84 +5376,10 @@
       </p:sp>
       <p:sp>
         <p:nvSpPr>
-          <p:cNvPr id="4" name="Content Placeholder 3">
-            <a:extLst>
-              <a:ext uri="{FF2B5EF4-FFF2-40B4-BE49-F238E27FC236}">
-                <a16:creationId xmlns:a16="http://schemas.microsoft.com/office/drawing/2014/main" id="{448670EC-0ACD-4127-A094-40D19D7CE5A0}"/>
-              </a:ext>
-            </a:extLst>
-          </p:cNvPr>
-          <p:cNvSpPr>
-            <a:spLocks noGrp="1"/>
-          </p:cNvSpPr>
-          <p:nvPr>
-            <p:ph sz="half" idx="2"/>
-          </p:nvPr>
-        </p:nvSpPr>
-        <p:spPr>
-          <a:xfrm>
-            <a:off x="762000" y="2279018"/>
-            <a:ext cx="5314543" cy="3375920"/>
-          </a:xfrm>
-        </p:spPr>
-        <p:txBody>
-          <a:bodyPr vert="horz" lIns="91440" tIns="45720" rIns="91440" bIns="45720" rtlCol="0" anchor="t">
-            <a:normAutofit/>
-          </a:bodyPr>
-          <a:lstStyle/>
-          <a:p>
-            <a:pPr marL="0" indent="0">
-              <a:buNone/>
-            </a:pPr>
-            <a:r>
-              <a:rPr lang="en-US" dirty="0"/>
-              <a:t>What we do well:</a:t>
-            </a:r>
-          </a:p>
-          <a:p>
-            <a:r>
-              <a:rPr lang="en-US" sz="1800" dirty="0"/>
-              <a:t>Continue bringing in live music</a:t>
-            </a:r>
-          </a:p>
-          <a:p>
-            <a:r>
-              <a:rPr lang="en-US" sz="1800" dirty="0"/>
-              <a:t>Continue offering Wi-Fi access</a:t>
-            </a:r>
-          </a:p>
-          <a:p>
-            <a:endParaRPr lang="en-US" sz="1800" dirty="0"/>
-          </a:p>
-          <a:p>
-            <a:pPr marL="0" indent="0">
-              <a:buNone/>
-            </a:pPr>
-            <a:r>
-              <a:rPr lang="en-US" dirty="0"/>
-              <a:t>Areas for improvement:</a:t>
-            </a:r>
-          </a:p>
-          <a:p>
-            <a:r>
-              <a:rPr lang="en-US" sz="1800" dirty="0"/>
-              <a:t>Our best positive word in five-star reviews was only good</a:t>
-            </a:r>
-          </a:p>
-          <a:p>
-            <a:r>
-              <a:rPr lang="en-US" sz="1800" dirty="0"/>
-              <a:t>Better coffee and a focus on customer service</a:t>
-            </a:r>
-          </a:p>
-        </p:txBody>
-      </p:sp>
-      <p:sp>
-        <p:nvSpPr>
-          <p:cNvPr id="71" name="Freeform: Shape 70">
-            <a:extLst>
-              <a:ext uri="{FF2B5EF4-FFF2-40B4-BE49-F238E27FC236}">
-                <a16:creationId xmlns:a16="http://schemas.microsoft.com/office/drawing/2014/main" id="{CF62D2A7-8207-488C-9F46-316BA81A16C8}"/>
+          <p:cNvPr id="135" name="Freeform: Shape 134">
+            <a:extLst>
+              <a:ext uri="{FF2B5EF4-FFF2-40B4-BE49-F238E27FC236}">
+                <a16:creationId xmlns:a16="http://schemas.microsoft.com/office/drawing/2014/main" id="{4F74D28C-3268-4E35-8EE1-D92CB4A85A7D}"/>
               </a:ext>
               <a:ext uri="{C183D7F6-B498-43B3-948B-1728B52AA6E4}">
                 <adec:decorative xmlns:adec="http://schemas.microsoft.com/office/drawing/2017/decorative" val="1"/>
@@ -5384,26 +5399,26 @@
         </p:nvSpPr>
         <p:spPr>
           <a:xfrm flipH="1">
-            <a:off x="6582780" y="-2008"/>
-            <a:ext cx="5609220" cy="5840278"/>
+            <a:off x="0" y="0"/>
+            <a:ext cx="6172782" cy="6858000"/>
           </a:xfrm>
           <a:custGeom>
             <a:avLst/>
             <a:gdLst>
-              <a:gd name="connsiteX0" fmla="*/ 0 w 5609220"/>
-              <a:gd name="connsiteY0" fmla="*/ 0 h 5840278"/>
-              <a:gd name="connsiteX1" fmla="*/ 4637091 w 5609220"/>
-              <a:gd name="connsiteY1" fmla="*/ 0 h 5840278"/>
-              <a:gd name="connsiteX2" fmla="*/ 4822569 w 5609220"/>
-              <a:gd name="connsiteY2" fmla="*/ 204077 h 5840278"/>
-              <a:gd name="connsiteX3" fmla="*/ 5609220 w 5609220"/>
-              <a:gd name="connsiteY3" fmla="*/ 2395363 h 5840278"/>
-              <a:gd name="connsiteX4" fmla="*/ 2164305 w 5609220"/>
-              <a:gd name="connsiteY4" fmla="*/ 5840278 h 5840278"/>
-              <a:gd name="connsiteX5" fmla="*/ 238220 w 5609220"/>
-              <a:gd name="connsiteY5" fmla="*/ 5251941 h 5840278"/>
-              <a:gd name="connsiteX6" fmla="*/ 0 w 5609220"/>
-              <a:gd name="connsiteY6" fmla="*/ 5073803 h 5840278"/>
+              <a:gd name="connsiteX0" fmla="*/ 6172782 w 6172782"/>
+              <a:gd name="connsiteY0" fmla="*/ 0 h 6858000"/>
+              <a:gd name="connsiteX1" fmla="*/ 69075 w 6172782"/>
+              <a:gd name="connsiteY1" fmla="*/ 0 h 6858000"/>
+              <a:gd name="connsiteX2" fmla="*/ 35131 w 6172782"/>
+              <a:gd name="connsiteY2" fmla="*/ 267128 h 6858000"/>
+              <a:gd name="connsiteX3" fmla="*/ 0 w 6172782"/>
+              <a:gd name="connsiteY3" fmla="*/ 962845 h 6858000"/>
+              <a:gd name="connsiteX4" fmla="*/ 3276103 w 6172782"/>
+              <a:gd name="connsiteY4" fmla="*/ 6782205 h 6858000"/>
+              <a:gd name="connsiteX5" fmla="*/ 3407923 w 6172782"/>
+              <a:gd name="connsiteY5" fmla="*/ 6858000 h 6858000"/>
+              <a:gd name="connsiteX6" fmla="*/ 6172782 w 6172782"/>
+              <a:gd name="connsiteY6" fmla="*/ 6858000 h 6858000"/>
             </a:gdLst>
             <a:ahLst/>
             <a:cxnLst>
@@ -5431,33 +5446,31 @@
             </a:cxnLst>
             <a:rect l="l" t="t" r="r" b="b"/>
             <a:pathLst>
-              <a:path w="5609220" h="5840278">
+              <a:path w="6172782" h="6858000">
                 <a:moveTo>
-                  <a:pt x="0" y="0"/>
+                  <a:pt x="6172782" y="0"/>
                 </a:moveTo>
                 <a:lnTo>
-                  <a:pt x="4637091" y="0"/>
+                  <a:pt x="69075" y="0"/>
                 </a:lnTo>
                 <a:lnTo>
-                  <a:pt x="4822569" y="204077"/>
+                  <a:pt x="35131" y="267128"/>
                 </a:lnTo>
                 <a:cubicBezTo>
-                  <a:pt x="5314007" y="799562"/>
-                  <a:pt x="5609220" y="1562987"/>
-                  <a:pt x="5609220" y="2395363"/>
+                  <a:pt x="11901" y="495874"/>
+                  <a:pt x="0" y="727970"/>
+                  <a:pt x="0" y="962845"/>
                 </a:cubicBezTo>
                 <a:cubicBezTo>
-                  <a:pt x="5609220" y="4297937"/>
-                  <a:pt x="4066879" y="5840278"/>
-                  <a:pt x="2164305" y="5840278"/>
-                </a:cubicBezTo>
-                <a:cubicBezTo>
-                  <a:pt x="1450840" y="5840278"/>
-                  <a:pt x="788032" y="5623387"/>
-                  <a:pt x="238220" y="5251941"/>
+                  <a:pt x="0" y="3429034"/>
+                  <a:pt x="1312002" y="5588789"/>
+                  <a:pt x="3276103" y="6782205"/>
                 </a:cubicBezTo>
                 <a:lnTo>
-                  <a:pt x="0" y="5073803"/>
+                  <a:pt x="3407923" y="6858000"/>
+                </a:lnTo>
+                <a:lnTo>
+                  <a:pt x="6172782" y="6858000"/>
                 </a:lnTo>
                 <a:close/>
               </a:path>
@@ -5489,7 +5502,9 @@
           </a:fontRef>
         </p:style>
         <p:txBody>
-          <a:bodyPr rtlCol="0" anchor="ctr"/>
+          <a:bodyPr wrap="square" rtlCol="0" anchor="ctr">
+            <a:noAutofit/>
+          </a:bodyPr>
           <a:lstStyle/>
           <a:p>
             <a:pPr marL="0" marR="0" lvl="0" indent="0" algn="ctr" defTabSz="914400" rtl="0" eaLnBrk="1" fontAlgn="auto" latinLnBrk="0" hangingPunct="1">
@@ -5526,55 +5541,51 @@
           </a:p>
         </p:txBody>
       </p:sp>
-      <p:pic>
-        <p:nvPicPr>
-          <p:cNvPr id="1026" name="Picture 2" descr="Image result for pic cup of coffee">
-            <a:extLst>
-              <a:ext uri="{FF2B5EF4-FFF2-40B4-BE49-F238E27FC236}">
-                <a16:creationId xmlns:a16="http://schemas.microsoft.com/office/drawing/2014/main" id="{5C773DF2-F432-49BC-8D06-16D2F5D398EF}"/>
-              </a:ext>
-            </a:extLst>
-          </p:cNvPr>
-          <p:cNvPicPr>
-            <a:picLocks noGrp="1" noChangeAspect="1" noChangeArrowheads="1"/>
-          </p:cNvPicPr>
-          <p:nvPr>
-            <p:ph sz="half" idx="1"/>
-          </p:nvPr>
-        </p:nvPicPr>
-        <p:blipFill rotWithShape="1">
-          <a:blip r:embed="rId2">
-            <a:extLst>
-              <a:ext uri="{28A0092B-C50C-407E-A947-70E740481C1C}">
-                <a14:useLocalDpi xmlns:a14="http://schemas.microsoft.com/office/drawing/2010/main" val="0"/>
-              </a:ext>
-            </a:extLst>
-          </a:blip>
-          <a:srcRect l="18029" r="18514"/>
-          <a:stretch/>
-        </p:blipFill>
-        <p:spPr bwMode="auto">
-          <a:xfrm>
-            <a:off x="6750141" y="-2"/>
-            <a:ext cx="5441859" cy="5654940"/>
+      <p:sp>
+        <p:nvSpPr>
+          <p:cNvPr id="137" name="Freeform: Shape 136">
+            <a:extLst>
+              <a:ext uri="{FF2B5EF4-FFF2-40B4-BE49-F238E27FC236}">
+                <a16:creationId xmlns:a16="http://schemas.microsoft.com/office/drawing/2014/main" id="{58D44E42-C462-4105-BC86-FE75B4E3C4AF}"/>
+              </a:ext>
+              <a:ext uri="{C183D7F6-B498-43B3-948B-1728B52AA6E4}">
+                <adec:decorative xmlns:adec="http://schemas.microsoft.com/office/drawing/2017/decorative" val="1"/>
+              </a:ext>
+            </a:extLst>
+          </p:cNvPr>
+          <p:cNvSpPr>
+            <a:spLocks noGrp="1" noRot="1" noChangeAspect="1" noMove="1" noResize="1" noEditPoints="1" noAdjustHandles="1" noChangeArrowheads="1" noChangeShapeType="1" noTextEdit="1"/>
+          </p:cNvSpPr>
+          <p:nvPr>
+            <p:extLst>
+              <p:ext uri="{386F3935-93C4-4BCD-93E2-E3B085C9AB24}">
+                <p16:designElem xmlns:p16="http://schemas.microsoft.com/office/powerpoint/2015/main" val="1"/>
+              </p:ext>
+            </p:extLst>
+          </p:nvPr>
+        </p:nvSpPr>
+        <p:spPr>
+          <a:xfrm flipH="1">
+            <a:off x="0" y="0"/>
+            <a:ext cx="6024154" cy="6858000"/>
           </a:xfrm>
           <a:custGeom>
             <a:avLst/>
             <a:gdLst>
-              <a:gd name="connsiteX0" fmla="*/ 1041368 w 5441859"/>
-              <a:gd name="connsiteY0" fmla="*/ 0 h 5654940"/>
-              <a:gd name="connsiteX1" fmla="*/ 5441859 w 5441859"/>
-              <a:gd name="connsiteY1" fmla="*/ 0 h 5654940"/>
-              <a:gd name="connsiteX2" fmla="*/ 5441859 w 5441859"/>
-              <a:gd name="connsiteY2" fmla="*/ 4820612 h 5654940"/>
-              <a:gd name="connsiteX3" fmla="*/ 5285166 w 5441859"/>
-              <a:gd name="connsiteY3" fmla="*/ 4957981 h 5654940"/>
-              <a:gd name="connsiteX4" fmla="*/ 3267719 w 5441859"/>
-              <a:gd name="connsiteY4" fmla="*/ 5654940 h 5654940"/>
-              <a:gd name="connsiteX5" fmla="*/ 0 w 5441859"/>
-              <a:gd name="connsiteY5" fmla="*/ 2387221 h 5654940"/>
-              <a:gd name="connsiteX6" fmla="*/ 957093 w 5441859"/>
-              <a:gd name="connsiteY6" fmla="*/ 76595 h 5654940"/>
+              <a:gd name="connsiteX0" fmla="*/ 70374 w 6024154"/>
+              <a:gd name="connsiteY0" fmla="*/ 0 h 6858000"/>
+              <a:gd name="connsiteX1" fmla="*/ 6024154 w 6024154"/>
+              <a:gd name="connsiteY1" fmla="*/ 0 h 6858000"/>
+              <a:gd name="connsiteX2" fmla="*/ 6024154 w 6024154"/>
+              <a:gd name="connsiteY2" fmla="*/ 6858000 h 6858000"/>
+              <a:gd name="connsiteX3" fmla="*/ 3587167 w 6024154"/>
+              <a:gd name="connsiteY3" fmla="*/ 6858000 h 6858000"/>
+              <a:gd name="connsiteX4" fmla="*/ 3474220 w 6024154"/>
+              <a:gd name="connsiteY4" fmla="*/ 6800152 h 6858000"/>
+              <a:gd name="connsiteX5" fmla="*/ 0 w 6024154"/>
+              <a:gd name="connsiteY5" fmla="*/ 962844 h 6858000"/>
+              <a:gd name="connsiteX6" fmla="*/ 34274 w 6024154"/>
+              <a:gd name="connsiteY6" fmla="*/ 284091 h 6858000"/>
             </a:gdLst>
             <a:ahLst/>
             <a:cxnLst>
@@ -5602,38 +5613,132 @@
             </a:cxnLst>
             <a:rect l="l" t="t" r="r" b="b"/>
             <a:pathLst>
-              <a:path w="5441859" h="5654940">
+              <a:path w="6024154" h="6858000">
                 <a:moveTo>
-                  <a:pt x="1041368" y="0"/>
+                  <a:pt x="70374" y="0"/>
                 </a:moveTo>
                 <a:lnTo>
-                  <a:pt x="5441859" y="0"/>
+                  <a:pt x="6024154" y="0"/>
                 </a:lnTo>
                 <a:lnTo>
-                  <a:pt x="5441859" y="4820612"/>
+                  <a:pt x="6024154" y="6858000"/>
                 </a:lnTo>
                 <a:lnTo>
-                  <a:pt x="5285166" y="4957981"/>
+                  <a:pt x="3587167" y="6858000"/>
+                </a:lnTo>
+                <a:lnTo>
+                  <a:pt x="3474220" y="6800152"/>
                 </a:lnTo>
                 <a:cubicBezTo>
-                  <a:pt x="4729628" y="5394557"/>
-                  <a:pt x="4029081" y="5654940"/>
-                  <a:pt x="3267719" y="5654940"/>
+                  <a:pt x="1404818" y="5675986"/>
+                  <a:pt x="0" y="3483472"/>
+                  <a:pt x="0" y="962844"/>
                 </a:cubicBezTo>
                 <a:cubicBezTo>
-                  <a:pt x="1463008" y="5654940"/>
-                  <a:pt x="0" y="4191932"/>
-                  <a:pt x="0" y="2387221"/>
-                </a:cubicBezTo>
-                <a:cubicBezTo>
-                  <a:pt x="0" y="1484866"/>
-                  <a:pt x="365752" y="667936"/>
-                  <a:pt x="957093" y="76595"/>
+                  <a:pt x="0" y="733696"/>
+                  <a:pt x="11610" y="507260"/>
+                  <a:pt x="34274" y="284091"/>
                 </a:cubicBezTo>
                 <a:close/>
               </a:path>
             </a:pathLst>
           </a:custGeom>
+          <a:solidFill>
+            <a:schemeClr val="tx1"/>
+          </a:solidFill>
+          <a:ln>
+            <a:noFill/>
+          </a:ln>
+        </p:spPr>
+        <p:style>
+          <a:lnRef idx="2">
+            <a:schemeClr val="accent1">
+              <a:shade val="50000"/>
+            </a:schemeClr>
+          </a:lnRef>
+          <a:fillRef idx="1">
+            <a:schemeClr val="accent1"/>
+          </a:fillRef>
+          <a:effectRef idx="0">
+            <a:schemeClr val="accent1"/>
+          </a:effectRef>
+          <a:fontRef idx="minor">
+            <a:schemeClr val="lt1"/>
+          </a:fontRef>
+        </p:style>
+        <p:txBody>
+          <a:bodyPr rtlCol="0" anchor="ctr"/>
+          <a:lstStyle/>
+          <a:p>
+            <a:pPr marL="0" marR="0" lvl="0" indent="0" algn="ctr" defTabSz="914400" rtl="0" eaLnBrk="1" fontAlgn="auto" latinLnBrk="0" hangingPunct="1">
+              <a:lnSpc>
+                <a:spcPct val="100000"/>
+              </a:lnSpc>
+              <a:spcBef>
+                <a:spcPts val="0"/>
+              </a:spcBef>
+              <a:spcAft>
+                <a:spcPts val="0"/>
+              </a:spcAft>
+              <a:buClrTx/>
+              <a:buSzTx/>
+              <a:buFontTx/>
+              <a:buNone/>
+              <a:tabLst/>
+              <a:defRPr/>
+            </a:pPr>
+            <a:endParaRPr kumimoji="0" lang="en-US" sz="1800" b="0" i="0" u="none" strike="noStrike" kern="1200" cap="none" spc="0" normalizeH="0" baseline="0" noProof="0">
+              <a:ln>
+                <a:noFill/>
+              </a:ln>
+              <a:solidFill>
+                <a:prstClr val="white"/>
+              </a:solidFill>
+              <a:effectLst/>
+              <a:uLnTx/>
+              <a:uFillTx/>
+              <a:latin typeface="Calibri" panose="020F0502020204030204"/>
+              <a:ea typeface="+mn-ea"/>
+              <a:cs typeface="+mn-cs"/>
+            </a:endParaRPr>
+          </a:p>
+        </p:txBody>
+      </p:sp>
+      <p:pic>
+        <p:nvPicPr>
+          <p:cNvPr id="1026" name="Picture 2" descr="Image result for pic cup of coffee">
+            <a:extLst>
+              <a:ext uri="{FF2B5EF4-FFF2-40B4-BE49-F238E27FC236}">
+                <a16:creationId xmlns:a16="http://schemas.microsoft.com/office/drawing/2014/main" id="{5C773DF2-F432-49BC-8D06-16D2F5D398EF}"/>
+              </a:ext>
+            </a:extLst>
+          </p:cNvPr>
+          <p:cNvPicPr>
+            <a:picLocks noGrp="1" noChangeAspect="1" noChangeArrowheads="1"/>
+          </p:cNvPicPr>
+          <p:nvPr>
+            <p:ph sz="half" idx="1"/>
+          </p:nvPr>
+        </p:nvPicPr>
+        <p:blipFill rotWithShape="1">
+          <a:blip r:embed="rId2">
+            <a:extLst>
+              <a:ext uri="{28A0092B-C50C-407E-A947-70E740481C1C}">
+                <a14:useLocalDpi xmlns:a14="http://schemas.microsoft.com/office/drawing/2010/main" val="0"/>
+              </a:ext>
+            </a:extLst>
+          </a:blip>
+          <a:srcRect l="18029" r="18514"/>
+          <a:stretch/>
+        </p:blipFill>
+        <p:spPr bwMode="auto">
+          <a:xfrm>
+            <a:off x="364241" y="563083"/>
+            <a:ext cx="4105275" cy="4266041"/>
+          </a:xfrm>
+          <a:prstGeom prst="rect">
+            <a:avLst/>
+          </a:prstGeom>
           <a:noFill/>
           <a:extLst>
             <a:ext uri="{909E8E84-426E-40DD-AFC4-6F175D3DCCD1}">
@@ -5646,6 +5751,76 @@
           </a:extLst>
         </p:spPr>
       </p:pic>
+      <p:sp>
+        <p:nvSpPr>
+          <p:cNvPr id="4" name="Content Placeholder 3">
+            <a:extLst>
+              <a:ext uri="{FF2B5EF4-FFF2-40B4-BE49-F238E27FC236}">
+                <a16:creationId xmlns:a16="http://schemas.microsoft.com/office/drawing/2014/main" id="{448670EC-0ACD-4127-A094-40D19D7CE5A0}"/>
+              </a:ext>
+            </a:extLst>
+          </p:cNvPr>
+          <p:cNvSpPr>
+            <a:spLocks noGrp="1"/>
+          </p:cNvSpPr>
+          <p:nvPr>
+            <p:ph sz="half" idx="2"/>
+          </p:nvPr>
+        </p:nvSpPr>
+        <p:spPr>
+          <a:xfrm>
+            <a:off x="6658044" y="2871982"/>
+            <a:ext cx="5006336" cy="3181684"/>
+          </a:xfrm>
+        </p:spPr>
+        <p:txBody>
+          <a:bodyPr vert="horz" lIns="91440" tIns="45720" rIns="91440" bIns="45720" rtlCol="0" anchor="t">
+            <a:normAutofit/>
+          </a:bodyPr>
+          <a:lstStyle/>
+          <a:p>
+            <a:pPr marL="0"/>
+            <a:r>
+              <a:rPr lang="en-US" sz="1800"/>
+              <a:t>What we do well:</a:t>
+            </a:r>
+          </a:p>
+          <a:p>
+            <a:r>
+              <a:rPr lang="en-US" sz="1800" dirty="0"/>
+              <a:t>Continue bringing in live music</a:t>
+            </a:r>
+          </a:p>
+          <a:p>
+            <a:r>
+              <a:rPr lang="en-US" sz="1800" dirty="0"/>
+              <a:t>Continue offering Wi-Fi access</a:t>
+            </a:r>
+          </a:p>
+          <a:p>
+            <a:endParaRPr lang="en-US" sz="1800" dirty="0"/>
+          </a:p>
+          <a:p>
+            <a:pPr marL="0"/>
+            <a:r>
+              <a:rPr lang="en-US" sz="1800"/>
+              <a:t>Areas for improvement:</a:t>
+            </a:r>
+          </a:p>
+          <a:p>
+            <a:r>
+              <a:rPr lang="en-US" sz="1800" dirty="0"/>
+              <a:t>Our best positive word in five-star reviews was only good</a:t>
+            </a:r>
+          </a:p>
+          <a:p>
+            <a:r>
+              <a:rPr lang="en-US" sz="1800" dirty="0"/>
+              <a:t>Better coffee and a focus on customer service</a:t>
+            </a:r>
+          </a:p>
+        </p:txBody>
+      </p:sp>
     </p:spTree>
     <p:extLst>
       <p:ext uri="{BB962C8B-B14F-4D97-AF65-F5344CB8AC3E}">
